--- a/Capstone Presentation Week 4.pptx
+++ b/Capstone Presentation Week 4.pptx
@@ -109,6 +109,11 @@
       </a:defRPr>
     </a:lvl9pPr>
   </p:defaultTextStyle>
+  <p:extLst>
+    <p:ext uri="{EFAFB233-063F-42B5-8137-9DF3F51BA10A}">
+      <p15:sldGuideLst xmlns:p15="http://schemas.microsoft.com/office/powerpoint/2012/main"/>
+    </p:ext>
+  </p:extLst>
 </p:presentation>
 </file>
 
@@ -6056,7 +6061,7 @@
         <p:spPr>
           <a:xfrm>
             <a:off x="1182255" y="2225964"/>
-            <a:ext cx="9615054" cy="2585323"/>
+            <a:ext cx="9615054" cy="3416320"/>
           </a:xfrm>
           <a:prstGeom prst="rect">
             <a:avLst/>
@@ -6099,7 +6104,20 @@
             </a:r>
             <a:r>
               <a:rPr lang="en-US" dirty="0" smtClean="0"/>
-              <a:t> data is affected by CoVid-19 and the lack of visitors, so I might have to make exceptions for some of my findings keeping this in consideration.  </a:t>
+              <a:t> data is affected by CoVid-19 and the lack of visitors, so I might have to make exceptions for some of my findings keeping this in consideration</a:t>
+            </a:r>
+            <a:r>
+              <a:rPr lang="en-US" dirty="0" smtClean="0"/>
+              <a:t>.</a:t>
+            </a:r>
+          </a:p>
+          <a:p>
+            <a:endParaRPr lang="en-US" dirty="0"/>
+          </a:p>
+          <a:p>
+            <a:r>
+              <a:rPr lang="en-US" dirty="0" smtClean="0"/>
+              <a:t>And example might be the need of a fitness facility or doctor office. If the doctor offices have better reviews, I will add that to my target list.  </a:t>
             </a:r>
             <a:endParaRPr lang="en-US" dirty="0"/>
           </a:p>
